--- a/卒業論文/2014/若月純/最終発表/最終発表スライド_若月.pptx
+++ b/卒業論文/2014/若月純/最終発表/最終発表スライド_若月.pptx
@@ -5,7 +5,7 @@
     <p:sldMasterId id="2147483648" r:id="rId1"/>
   </p:sldMasterIdLst>
   <p:notesMasterIdLst>
-    <p:notesMasterId r:id="rId32"/>
+    <p:notesMasterId r:id="rId33"/>
   </p:notesMasterIdLst>
   <p:sldIdLst>
     <p:sldId id="256" r:id="rId2"/>
@@ -36,8 +36,9 @@
     <p:sldId id="271" r:id="rId27"/>
     <p:sldId id="360" r:id="rId28"/>
     <p:sldId id="358" r:id="rId29"/>
-    <p:sldId id="303" r:id="rId30"/>
-    <p:sldId id="325" r:id="rId31"/>
+    <p:sldId id="365" r:id="rId30"/>
+    <p:sldId id="303" r:id="rId31"/>
+    <p:sldId id="325" r:id="rId32"/>
   </p:sldIdLst>
   <p:sldSz cx="9144000" cy="6858000" type="screen4x3"/>
   <p:notesSz cx="6858000" cy="9144000"/>
@@ -138,7 +139,7 @@
   </p:defaultTextStyle>
   <p:extLst>
     <p:ext uri="{EFAFB233-063F-42B5-8137-9DF3F51BA10A}">
-      <p15:sldGuideLst xmlns:p15="http://schemas.microsoft.com/office/powerpoint/2012/main" xmlns="">
+      <p15:sldGuideLst xmlns="" xmlns:p15="http://schemas.microsoft.com/office/powerpoint/2012/main">
         <p15:guide id="1" orient="horz" pos="2160">
           <p15:clr>
             <a:srgbClr val="A4A3A4"/>
@@ -4054,11 +4055,7 @@
         <a:p>
           <a:r>
             <a:rPr kumimoji="1" lang="en-US" altLang="ja-JP" dirty="0" err="1" smtClean="0"/>
-            <a:t>Git</a:t>
-          </a:r>
-          <a:r>
-            <a:rPr kumimoji="1" lang="en-US" altLang="ja-JP" dirty="0" err="1" smtClean="0"/>
-            <a:t>Hub</a:t>
+            <a:t>GitHub</a:t>
           </a:r>
           <a:endParaRPr kumimoji="1" lang="ja-JP" altLang="en-US" dirty="0" smtClean="0"/>
         </a:p>
@@ -6003,11 +6000,7 @@
           </a:pPr>
           <a:r>
             <a:rPr kumimoji="1" lang="en-US" altLang="ja-JP" sz="4300" kern="1200" dirty="0" err="1" smtClean="0"/>
-            <a:t>Git</a:t>
-          </a:r>
-          <a:r>
-            <a:rPr kumimoji="1" lang="en-US" altLang="ja-JP" sz="4300" kern="1200" dirty="0" err="1" smtClean="0"/>
-            <a:t>Hub</a:t>
+            <a:t>GitHub</a:t>
           </a:r>
           <a:endParaRPr kumimoji="1" lang="ja-JP" altLang="en-US" sz="4300" kern="1200" dirty="0" smtClean="0"/>
         </a:p>
@@ -24328,11 +24321,7 @@
             </a:r>
             <a:r>
               <a:rPr kumimoji="1" lang="ja-JP" altLang="en-US" dirty="0" smtClean="0"/>
-              <a:t>木</a:t>
-            </a:r>
-            <a:r>
-              <a:rPr kumimoji="1" lang="ja-JP" altLang="en-US" dirty="0" smtClean="0"/>
-              <a:t>性能測定</a:t>
+              <a:t>木性能測定</a:t>
             </a:r>
             <a:endParaRPr kumimoji="1" lang="ja-JP" altLang="en-US" dirty="0"/>
           </a:p>
@@ -24450,11 +24439,7 @@
           <a:p>
             <a:r>
               <a:rPr lang="ja-JP" altLang="en-US" dirty="0" smtClean="0"/>
-              <a:t>決定</a:t>
-            </a:r>
-            <a:r>
-              <a:rPr lang="ja-JP" altLang="en-US" dirty="0" smtClean="0"/>
-              <a:t>木</a:t>
+              <a:t>決定木</a:t>
             </a:r>
             <a:r>
               <a:rPr lang="ja-JP" altLang="en-US" dirty="0"/>
@@ -24851,23 +24836,7 @@
           <a:p>
             <a:r>
               <a:rPr lang="ja-JP" altLang="en-US" dirty="0" smtClean="0"/>
-              <a:t>訓練データ</a:t>
-            </a:r>
-            <a:r>
-              <a:rPr lang="ja-JP" altLang="en-US" dirty="0" smtClean="0"/>
-              <a:t>で</a:t>
-            </a:r>
-            <a:r>
-              <a:rPr lang="ja-JP" altLang="en-US" dirty="0" smtClean="0"/>
-              <a:t>決定</a:t>
-            </a:r>
-            <a:r>
-              <a:rPr lang="ja-JP" altLang="en-US" dirty="0" smtClean="0"/>
-              <a:t>木</a:t>
-            </a:r>
-            <a:r>
-              <a:rPr lang="ja-JP" altLang="en-US" dirty="0" smtClean="0"/>
-              <a:t>作成</a:t>
+              <a:t>訓練データで決定木作成</a:t>
             </a:r>
             <a:endParaRPr kumimoji="1" lang="ja-JP" altLang="en-US" dirty="0"/>
           </a:p>
@@ -25640,11 +25609,7 @@
           <a:p>
             <a:r>
               <a:rPr kumimoji="1" lang="ja-JP" altLang="en-US" dirty="0" smtClean="0"/>
-              <a:t>決定木</a:t>
-            </a:r>
-            <a:r>
-              <a:rPr kumimoji="1" lang="ja-JP" altLang="en-US" dirty="0" smtClean="0"/>
-              <a:t>性能測定結果</a:t>
+              <a:t>決定木性能測定結果</a:t>
             </a:r>
             <a:endParaRPr kumimoji="1" lang="ja-JP" altLang="en-US" dirty="0"/>
           </a:p>
@@ -26741,8 +26706,8 @@
           <a:lstStyle/>
           <a:p>
             <a:r>
-              <a:rPr kumimoji="1" lang="ja-JP" altLang="en-US" smtClean="0"/>
-              <a:t>考察</a:t>
+              <a:rPr kumimoji="1" lang="ja-JP" altLang="en-US" dirty="0" smtClean="0"/>
+              <a:t>決定木性能測定結果</a:t>
             </a:r>
             <a:endParaRPr kumimoji="1" lang="ja-JP" altLang="en-US" dirty="0"/>
           </a:p>
@@ -26758,63 +26723,137 @@
             <p:ph idx="1"/>
           </p:nvPr>
         </p:nvSpPr>
-        <p:spPr>
-          <a:xfrm>
-            <a:off x="457200" y="1600200"/>
-            <a:ext cx="7406640" cy="4525963"/>
-          </a:xfrm>
-        </p:spPr>
+        <p:spPr/>
         <p:txBody>
           <a:bodyPr>
-            <a:noAutofit/>
+            <a:normAutofit lnSpcReduction="10000"/>
           </a:bodyPr>
           <a:lstStyle/>
           <a:p>
-            <a:r>
-              <a:rPr lang="en-US" altLang="ja-JP" dirty="0" err="1" smtClean="0"/>
-              <a:t>GitHub</a:t>
-            </a:r>
-            <a:r>
-              <a:rPr lang="ja-JP" altLang="en-US" dirty="0" smtClean="0"/>
-              <a:t>上のデータを用いて、選択基準を求められる</a:t>
-            </a:r>
-            <a:endParaRPr lang="en-US" altLang="ja-JP" dirty="0" smtClean="0"/>
-          </a:p>
-          <a:p>
-            <a:endParaRPr lang="en-US" altLang="ja-JP" dirty="0"/>
-          </a:p>
-          <a:p>
-            <a:endParaRPr lang="en-US" altLang="ja-JP" dirty="0" smtClean="0"/>
-          </a:p>
-          <a:p>
-            <a:r>
-              <a:rPr lang="en-US" altLang="ja-JP" dirty="0" smtClean="0"/>
-              <a:t>1</a:t>
-            </a:r>
-            <a:r>
-              <a:rPr lang="ja-JP" altLang="en-US" dirty="0"/>
-              <a:t>日あたりの行数により</a:t>
-            </a:r>
-            <a:r>
-              <a:rPr lang="ja-JP" altLang="en-US" dirty="0" smtClean="0"/>
-              <a:t>分類されたため、プロジェクトの生産性に注目し、指標を増やせば、性能向上が</a:t>
-            </a:r>
-            <a:r>
-              <a:rPr lang="ja-JP" altLang="en-US" dirty="0" smtClean="0"/>
-              <a:t>可能</a:t>
-            </a:r>
-            <a:r>
-              <a:rPr lang="ja-JP" altLang="en-US" dirty="0" smtClean="0"/>
-              <a:t>だろう</a:t>
-            </a:r>
-            <a:endParaRPr lang="en-US" altLang="ja-JP" dirty="0"/>
+            <a:pPr>
+              <a:lnSpc>
+                <a:spcPct val="120000"/>
+              </a:lnSpc>
+            </a:pPr>
+            <a:r>
+              <a:rPr lang="ja-JP" altLang="en-US" sz="4400" dirty="0" smtClean="0"/>
+              <a:t>精度</a:t>
+            </a:r>
+            <a:endParaRPr lang="en-US" altLang="ja-JP" sz="4400" dirty="0" smtClean="0"/>
+          </a:p>
+          <a:p>
+            <a:pPr lvl="1">
+              <a:lnSpc>
+                <a:spcPct val="90000"/>
+              </a:lnSpc>
+            </a:pPr>
+            <a:r>
+              <a:rPr lang="ja-JP" altLang="en-US" sz="3600" dirty="0"/>
+              <a:t>平均：</a:t>
+            </a:r>
+            <a:r>
+              <a:rPr lang="en-US" altLang="ja-JP" sz="4400" dirty="0"/>
+              <a:t>38</a:t>
+            </a:r>
+            <a:r>
+              <a:rPr lang="en-US" altLang="ja-JP" sz="3600" dirty="0"/>
+              <a:t>%</a:t>
+            </a:r>
+          </a:p>
+          <a:p>
+            <a:pPr lvl="1">
+              <a:lnSpc>
+                <a:spcPct val="90000"/>
+              </a:lnSpc>
+            </a:pPr>
+            <a:r>
+              <a:rPr lang="ja-JP" altLang="en-US" sz="3600" dirty="0"/>
+              <a:t>信頼区間：</a:t>
+            </a:r>
+            <a:r>
+              <a:rPr lang="en-US" altLang="ja-JP" sz="4400" dirty="0"/>
+              <a:t>33</a:t>
+            </a:r>
+            <a:r>
+              <a:rPr lang="en-US" altLang="ja-JP" sz="3600" dirty="0"/>
+              <a:t>〜</a:t>
+            </a:r>
+            <a:r>
+              <a:rPr lang="en-US" altLang="ja-JP" sz="4400" dirty="0"/>
+              <a:t>42</a:t>
+            </a:r>
+            <a:r>
+              <a:rPr lang="ja-JP" altLang="en-US" sz="3600" dirty="0" smtClean="0"/>
+              <a:t>％</a:t>
+            </a:r>
+            <a:endParaRPr lang="en-US" altLang="ja-JP" sz="4400" dirty="0" smtClean="0"/>
+          </a:p>
+          <a:p>
+            <a:pPr>
+              <a:lnSpc>
+                <a:spcPct val="120000"/>
+              </a:lnSpc>
+            </a:pPr>
+            <a:r>
+              <a:rPr lang="ja-JP" altLang="en-US" sz="4400" dirty="0" smtClean="0"/>
+              <a:t>再現率</a:t>
+            </a:r>
+            <a:endParaRPr lang="en-US" altLang="ja-JP" sz="4400" dirty="0" smtClean="0"/>
+          </a:p>
+          <a:p>
+            <a:pPr lvl="1">
+              <a:lnSpc>
+                <a:spcPct val="90000"/>
+              </a:lnSpc>
+            </a:pPr>
+            <a:r>
+              <a:rPr lang="ja-JP" altLang="en-US" sz="3600" dirty="0" smtClean="0"/>
+              <a:t>平均：</a:t>
+            </a:r>
+            <a:r>
+              <a:rPr lang="en-US" altLang="ja-JP" sz="4400" dirty="0" smtClean="0"/>
+              <a:t>46</a:t>
+            </a:r>
+            <a:r>
+              <a:rPr lang="ja-JP" altLang="en-US" sz="3600" dirty="0" smtClean="0"/>
+              <a:t>％</a:t>
+            </a:r>
+            <a:endParaRPr lang="en-US" altLang="ja-JP" sz="3600" dirty="0" smtClean="0"/>
+          </a:p>
+          <a:p>
+            <a:pPr lvl="1">
+              <a:lnSpc>
+                <a:spcPct val="90000"/>
+              </a:lnSpc>
+            </a:pPr>
+            <a:r>
+              <a:rPr lang="ja-JP" altLang="en-US" sz="3600" dirty="0" smtClean="0"/>
+              <a:t>信頼区間：</a:t>
+            </a:r>
+            <a:r>
+              <a:rPr lang="en-US" altLang="ja-JP" sz="4400" dirty="0" smtClean="0"/>
+              <a:t>41</a:t>
+            </a:r>
+            <a:r>
+              <a:rPr lang="en-US" altLang="ja-JP" sz="3600" dirty="0" smtClean="0"/>
+              <a:t>〜</a:t>
+            </a:r>
+            <a:r>
+              <a:rPr lang="en-US" altLang="ja-JP" sz="4400" dirty="0" smtClean="0"/>
+              <a:t>51</a:t>
+            </a:r>
+            <a:r>
+              <a:rPr lang="ja-JP" altLang="en-US" sz="3600" dirty="0" smtClean="0"/>
+              <a:t>％</a:t>
+            </a:r>
+            <a:endParaRPr lang="en-US" altLang="ja-JP" sz="3600" dirty="0"/>
           </a:p>
         </p:txBody>
       </p:sp>
     </p:spTree>
     <p:extLst>
       <p:ext uri="{BB962C8B-B14F-4D97-AF65-F5344CB8AC3E}">
-        <p14:creationId xmlns:p14="http://schemas.microsoft.com/office/powerpoint/2010/main" val="2871471793"/>
+        <p14:creationId xmlns:p14="http://schemas.microsoft.com/office/powerpoint/2010/main" val="517746803"/>
       </p:ext>
     </p:extLst>
   </p:cSld>
@@ -26888,7 +26927,7 @@
         <p:spPr>
           <a:xfrm>
             <a:off x="457200" y="1600200"/>
-            <a:ext cx="8686800" cy="4525963"/>
+            <a:ext cx="8009467" cy="4525963"/>
           </a:xfrm>
         </p:spPr>
         <p:txBody>
@@ -26897,7 +26936,19 @@
           <a:p>
             <a:r>
               <a:rPr kumimoji="1" lang="ja-JP" altLang="en-US" dirty="0" smtClean="0"/>
-              <a:t>ソフトウェア開発を支援する機能を提供するサービス</a:t>
+              <a:t>ソフトウェア開発を支援する機能を提供</a:t>
+            </a:r>
+            <a:r>
+              <a:rPr kumimoji="1" lang="ja-JP" altLang="en-US" dirty="0" smtClean="0"/>
+              <a:t>する</a:t>
+            </a:r>
+            <a:r>
+              <a:rPr kumimoji="1" lang="ja-JP" altLang="en-US" dirty="0" smtClean="0"/>
+              <a:t>ウェブ</a:t>
+            </a:r>
+            <a:r>
+              <a:rPr kumimoji="1" lang="ja-JP" altLang="en-US" dirty="0" smtClean="0"/>
+              <a:t>サービス</a:t>
             </a:r>
             <a:endParaRPr kumimoji="1" lang="en-US" altLang="ja-JP" dirty="0" smtClean="0"/>
           </a:p>
@@ -26955,15 +27006,7 @@
             </a:r>
             <a:r>
               <a:rPr kumimoji="1" lang="ja-JP" altLang="en-US" dirty="0" smtClean="0"/>
-              <a:t>履歴</a:t>
-            </a:r>
-            <a:r>
-              <a:rPr kumimoji="1" lang="ja-JP" altLang="en-US" dirty="0" smtClean="0"/>
-              <a:t>を</a:t>
-            </a:r>
-            <a:r>
-              <a:rPr kumimoji="1" lang="ja-JP" altLang="en-US" dirty="0" smtClean="0"/>
-              <a:t>分岐</a:t>
+              <a:t>履歴を分岐</a:t>
             </a:r>
             <a:r>
               <a:rPr lang="ja-JP" altLang="en-US" dirty="0" smtClean="0"/>
@@ -27027,6 +27070,121 @@
           <a:p>
             <a:r>
               <a:rPr kumimoji="1" lang="ja-JP" altLang="en-US" smtClean="0"/>
+              <a:t>考察</a:t>
+            </a:r>
+            <a:endParaRPr kumimoji="1" lang="ja-JP" altLang="en-US" dirty="0"/>
+          </a:p>
+        </p:txBody>
+      </p:sp>
+      <p:sp>
+        <p:nvSpPr>
+          <p:cNvPr id="3" name="コンテンツ プレースホルダー 2"/>
+          <p:cNvSpPr>
+            <a:spLocks noGrp="1"/>
+          </p:cNvSpPr>
+          <p:nvPr>
+            <p:ph idx="1"/>
+          </p:nvPr>
+        </p:nvSpPr>
+        <p:spPr>
+          <a:xfrm>
+            <a:off x="457200" y="1600200"/>
+            <a:ext cx="7406640" cy="4525963"/>
+          </a:xfrm>
+        </p:spPr>
+        <p:txBody>
+          <a:bodyPr>
+            <a:noAutofit/>
+          </a:bodyPr>
+          <a:lstStyle/>
+          <a:p>
+            <a:r>
+              <a:rPr lang="en-US" altLang="ja-JP" dirty="0" err="1" smtClean="0"/>
+              <a:t>GitHub</a:t>
+            </a:r>
+            <a:r>
+              <a:rPr lang="ja-JP" altLang="en-US" dirty="0" smtClean="0"/>
+              <a:t>上のデータを用いて、選択基準を求められる</a:t>
+            </a:r>
+            <a:endParaRPr lang="en-US" altLang="ja-JP" dirty="0" smtClean="0"/>
+          </a:p>
+          <a:p>
+            <a:endParaRPr lang="en-US" altLang="ja-JP" dirty="0"/>
+          </a:p>
+          <a:p>
+            <a:endParaRPr lang="en-US" altLang="ja-JP" dirty="0" smtClean="0"/>
+          </a:p>
+          <a:p>
+            <a:r>
+              <a:rPr lang="en-US" altLang="ja-JP" dirty="0" smtClean="0"/>
+              <a:t>1</a:t>
+            </a:r>
+            <a:r>
+              <a:rPr lang="ja-JP" altLang="en-US" dirty="0"/>
+              <a:t>日あたりの行数により</a:t>
+            </a:r>
+            <a:r>
+              <a:rPr lang="ja-JP" altLang="en-US" dirty="0" smtClean="0"/>
+              <a:t>分類されたため、プロジェクトの生産性に注目し、指標を増やせば、性能向上が可能だろう</a:t>
+            </a:r>
+            <a:endParaRPr lang="en-US" altLang="ja-JP" dirty="0"/>
+          </a:p>
+        </p:txBody>
+      </p:sp>
+    </p:spTree>
+    <p:extLst>
+      <p:ext uri="{BB962C8B-B14F-4D97-AF65-F5344CB8AC3E}">
+        <p14:creationId xmlns:p14="http://schemas.microsoft.com/office/powerpoint/2010/main" val="2871471793"/>
+      </p:ext>
+    </p:extLst>
+  </p:cSld>
+  <p:clrMapOvr>
+    <a:masterClrMapping/>
+  </p:clrMapOvr>
+  <p:timing>
+    <p:tnLst>
+      <p:par>
+        <p:cTn xmlns:p14="http://schemas.microsoft.com/office/powerpoint/2010/main" id="1" dur="indefinite" restart="never" nodeType="tmRoot"/>
+      </p:par>
+    </p:tnLst>
+  </p:timing>
+</p:sld>
+</file>
+
+<file path=ppt/slides/slide31.xml><?xml version="1.0" encoding="utf-8"?>
+<p:sld xmlns:a="http://schemas.openxmlformats.org/drawingml/2006/main" xmlns:r="http://schemas.openxmlformats.org/officeDocument/2006/relationships" xmlns:p="http://schemas.openxmlformats.org/presentationml/2006/main">
+  <p:cSld>
+    <p:spTree>
+      <p:nvGrpSpPr>
+        <p:cNvPr id="1" name=""/>
+        <p:cNvGrpSpPr/>
+        <p:nvPr/>
+      </p:nvGrpSpPr>
+      <p:grpSpPr>
+        <a:xfrm>
+          <a:off x="0" y="0"/>
+          <a:ext cx="0" cy="0"/>
+          <a:chOff x="0" y="0"/>
+          <a:chExt cx="0" cy="0"/>
+        </a:xfrm>
+      </p:grpSpPr>
+      <p:sp>
+        <p:nvSpPr>
+          <p:cNvPr id="2" name="タイトル 1"/>
+          <p:cNvSpPr>
+            <a:spLocks noGrp="1"/>
+          </p:cNvSpPr>
+          <p:nvPr>
+            <p:ph type="title"/>
+          </p:nvPr>
+        </p:nvSpPr>
+        <p:spPr/>
+        <p:txBody>
+          <a:bodyPr/>
+          <a:lstStyle/>
+          <a:p>
+            <a:r>
+              <a:rPr kumimoji="1" lang="ja-JP" altLang="en-US" smtClean="0"/>
               <a:t>結論</a:t>
             </a:r>
             <a:endParaRPr kumimoji="1" lang="ja-JP" altLang="en-US" dirty="0"/>
@@ -27186,7 +27344,15 @@
             <a:pPr lvl="1"/>
             <a:r>
               <a:rPr kumimoji="1" lang="ja-JP" altLang="en-US" dirty="0" smtClean="0"/>
-              <a:t>生産性をあげる</a:t>
+              <a:t>生産性を</a:t>
+            </a:r>
+            <a:r>
+              <a:rPr kumimoji="1" lang="ja-JP" altLang="en-US" dirty="0" smtClean="0"/>
+              <a:t>あげる</a:t>
+            </a:r>
+            <a:r>
+              <a:rPr kumimoji="1" lang="ja-JP" altLang="en-US" dirty="0" smtClean="0"/>
+              <a:t>ため</a:t>
             </a:r>
             <a:endParaRPr kumimoji="1" lang="en-US" altLang="ja-JP" dirty="0" smtClean="0"/>
           </a:p>
@@ -27194,15 +27360,7 @@
             <a:pPr lvl="2"/>
             <a:r>
               <a:rPr lang="ja-JP" altLang="en-US" dirty="0" smtClean="0"/>
-              <a:t>管理者が意図しない、</a:t>
-            </a:r>
-            <a:r>
-              <a:rPr lang="ja-JP" altLang="en-US" dirty="0" smtClean="0"/>
-              <a:t>不用意</a:t>
-            </a:r>
-            <a:r>
-              <a:rPr lang="ja-JP" altLang="en-US" dirty="0" smtClean="0"/>
-              <a:t>な変更を防ぐ</a:t>
+              <a:t>管理者が意図しない、不用意な変更を防ぐ</a:t>
             </a:r>
             <a:endParaRPr lang="en-US" altLang="ja-JP" dirty="0" smtClean="0"/>
           </a:p>
@@ -27214,11 +27372,7 @@
             </a:r>
             <a:r>
               <a:rPr kumimoji="1" lang="ja-JP" altLang="en-US" dirty="0" smtClean="0"/>
-              <a:t>ど</a:t>
-            </a:r>
-            <a:r>
-              <a:rPr kumimoji="1" lang="ja-JP" altLang="en-US" dirty="0" smtClean="0"/>
-              <a:t>のような</a:t>
+              <a:t>どのような</a:t>
             </a:r>
             <a:r>
               <a:rPr lang="ja-JP" altLang="en-US" dirty="0" smtClean="0"/>
@@ -27226,15 +27380,7 @@
             </a:r>
             <a:r>
               <a:rPr kumimoji="1" lang="ja-JP" altLang="en-US" dirty="0" smtClean="0"/>
-              <a:t>を</a:t>
-            </a:r>
-            <a:r>
-              <a:rPr kumimoji="1" lang="ja-JP" altLang="en-US" dirty="0" smtClean="0"/>
-              <a:t>しているか明らかに</a:t>
-            </a:r>
-            <a:r>
-              <a:rPr kumimoji="1" lang="ja-JP" altLang="en-US" dirty="0" smtClean="0"/>
-              <a:t>する</a:t>
+              <a:t>をしているか明らかにする</a:t>
             </a:r>
             <a:endParaRPr kumimoji="1" lang="en-US" altLang="ja-JP" dirty="0" smtClean="0"/>
           </a:p>
